--- a/units/4/lessons/4/resources/petascale-lesson-4.4-slides.pptx
+++ b/units/4/lessons/4/resources/petascale-lesson-4.4-slides.pptx
@@ -9,7 +9,7 @@
   </p:notesMasterIdLst>
   <p:sldIdLst>
     <p:sldId id="270" r:id="rId2"/>
-    <p:sldId id="271" r:id="rId3"/>
+    <p:sldId id="272" r:id="rId3"/>
     <p:sldId id="256" r:id="rId4"/>
     <p:sldId id="257" r:id="rId5"/>
     <p:sldId id="258" r:id="rId6"/>
@@ -257,8 +257,11 @@
     </a:lvl9pPr>
   </p:defaultTextStyle>
   <p:extLst>
+    <p:ext uri="{EFAFB233-063F-42B5-8137-9DF3F51BA10A}">
+      <p15:sldGuideLst xmlns:p15="http://schemas.microsoft.com/office/powerpoint/2012/main"/>
+    </p:ext>
     <p:ext uri="http://customooxmlschemas.google.com/">
-      <go:slidesCustomData xmlns:go="http://customooxmlschemas.google.com/" xmlns:p15="http://schemas.microsoft.com/office/powerpoint/2012/main" xmlns:p14="http://schemas.microsoft.com/office/powerpoint/2010/main" xmlns:com="http://schemas.openxmlformats.org/drawingml/2006/compatibility" xmlns:pvml="urn:schemas-microsoft-com:office:powerpoint" xmlns:v="urn:schemas-microsoft-com:vml" xmlns:o="urn:schemas-microsoft-com:office:office" xmlns:dgm="http://schemas.openxmlformats.org/drawingml/2006/diagram" xmlns:c="http://schemas.openxmlformats.org/drawingml/2006/chart" xmlns:mv="urn:schemas-microsoft-com:mac:vml" xmlns:mc="http://schemas.openxmlformats.org/markup-compatibility/2006" xmlns="" r:id="rId19" roundtripDataSignature="AMtx7miMuSR0v2a9jNcHABEfpnEQZNx2MA=="/>
+      <go:slidesCustomData xmlns="" xmlns:mc="http://schemas.openxmlformats.org/markup-compatibility/2006" xmlns:mv="urn:schemas-microsoft-com:mac:vml" xmlns:c="http://schemas.openxmlformats.org/drawingml/2006/chart" xmlns:dgm="http://schemas.openxmlformats.org/drawingml/2006/diagram" xmlns:o="urn:schemas-microsoft-com:office:office" xmlns:v="urn:schemas-microsoft-com:vml" xmlns:pvml="urn:schemas-microsoft-com:office:powerpoint" xmlns:com="http://schemas.openxmlformats.org/drawingml/2006/compatibility" xmlns:p14="http://schemas.microsoft.com/office/powerpoint/2010/main" xmlns:p15="http://schemas.microsoft.com/office/powerpoint/2012/main" xmlns:go="http://customooxmlschemas.google.com/" r:id="rId19" roundtripDataSignature="AMtx7miMuSR0v2a9jNcHABEfpnEQZNx2MA=="/>
     </p:ext>
   </p:extLst>
 </p:presentation>
@@ -12767,14 +12770,6 @@
               </a:rPr>
               <a:t>Developed by Maria Pantoja</a:t>
             </a:r>
-            <a:r>
-              <a:rPr lang="en-US" sz="3600" i="1" dirty="0">
-                <a:latin typeface="Times New Roman" charset="0"/>
-                <a:ea typeface="Times New Roman" charset="0"/>
-                <a:cs typeface="Times New Roman" charset="0"/>
-              </a:rPr>
-              <a:t/>
-            </a:r>
             <a:br>
               <a:rPr lang="en-US" sz="3600" i="1" dirty="0">
                 <a:latin typeface="Times New Roman" charset="0"/>
@@ -12790,11 +12785,6 @@
               </a:rPr>
               <a:t>for the Shodor Education Foundation, Inc.</a:t>
             </a:r>
-            <a:endParaRPr lang="en-US" sz="3600" i="1" dirty="0">
-              <a:latin typeface="Times New Roman" charset="0"/>
-              <a:ea typeface="Times New Roman" charset="0"/>
-              <a:cs typeface="Times New Roman" charset="0"/>
-            </a:endParaRPr>
           </a:p>
         </p:txBody>
       </p:sp>
@@ -16552,7 +16542,7 @@
         </p:nvSpPr>
         <p:spPr>
           <a:xfrm>
-            <a:off x="754745" y="0"/>
+            <a:off x="754743" y="0"/>
             <a:ext cx="10682515" cy="6858000"/>
           </a:xfrm>
         </p:spPr>
@@ -16599,7 +16589,23 @@
                 <a:ea typeface="Times New Roman" charset="0"/>
                 <a:cs typeface="Times New Roman" charset="0"/>
               </a:rPr>
-              <a:t>CC BY-NC 4.0. To view a copy of this license, visit </a:t>
+              <a:t>CC </a:t>
+            </a:r>
+            <a:r>
+              <a:rPr lang="en-US" sz="2800" dirty="0">
+                <a:latin typeface="Times New Roman" charset="0"/>
+                <a:ea typeface="Times New Roman" charset="0"/>
+                <a:cs typeface="Times New Roman" charset="0"/>
+              </a:rPr>
+              <a:t>BY-SA </a:t>
+            </a:r>
+            <a:r>
+              <a:rPr lang="en-US" sz="2800" dirty="0">
+                <a:latin typeface="Times New Roman" charset="0"/>
+                <a:ea typeface="Times New Roman" charset="0"/>
+                <a:cs typeface="Times New Roman" charset="0"/>
+              </a:rPr>
+              <a:t>4.0. To view a copy of this license, visit </a:t>
             </a:r>
             <a:r>
               <a:rPr lang="en-US" sz="2800" dirty="0">
@@ -16608,7 +16614,16 @@
                 <a:cs typeface="Times New Roman" charset="0"/>
                 <a:hlinkClick r:id="rId2"/>
               </a:rPr>
-              <a:t>https://creativecommons.org/licenses/by-nc/4.0</a:t>
+              <a:t>https://</a:t>
+            </a:r>
+            <a:r>
+              <a:rPr lang="en-US" sz="2800" dirty="0">
+                <a:latin typeface="Times New Roman" charset="0"/>
+                <a:ea typeface="Times New Roman" charset="0"/>
+                <a:cs typeface="Times New Roman" charset="0"/>
+                <a:hlinkClick r:id="rId2"/>
+              </a:rPr>
+              <a:t>creativecommons.org/licenses/by-sa/4.0</a:t>
             </a:r>
             <a:r>
               <a:rPr lang="en-US" sz="2800" dirty="0">
@@ -16762,20 +16777,13 @@
     </p:spTree>
     <p:extLst>
       <p:ext uri="{BB962C8B-B14F-4D97-AF65-F5344CB8AC3E}">
-        <p14:creationId xmlns:p14="http://schemas.microsoft.com/office/powerpoint/2010/main" val="261550471"/>
+        <p14:creationId xmlns:p14="http://schemas.microsoft.com/office/powerpoint/2010/main" val="279211116"/>
       </p:ext>
     </p:extLst>
   </p:cSld>
   <p:clrMapOvr>
     <a:masterClrMapping/>
   </p:clrMapOvr>
-  <p:timing>
-    <p:tnLst>
-      <p:par>
-        <p:cTn id="1" dur="indefinite" restart="never" nodeType="tmRoot"/>
-      </p:par>
-    </p:tnLst>
-  </p:timing>
 </p:sld>
 </file>
 

--- a/units/4/lessons/4/resources/petascale-lesson-4.4-slides.pptx
+++ b/units/4/lessons/4/resources/petascale-lesson-4.4-slides.pptx
@@ -261,7 +261,7 @@
       <p15:sldGuideLst xmlns:p15="http://schemas.microsoft.com/office/powerpoint/2012/main"/>
     </p:ext>
     <p:ext uri="http://customooxmlschemas.google.com/">
-      <go:slidesCustomData xmlns="" xmlns:mc="http://schemas.openxmlformats.org/markup-compatibility/2006" xmlns:mv="urn:schemas-microsoft-com:mac:vml" xmlns:c="http://schemas.openxmlformats.org/drawingml/2006/chart" xmlns:dgm="http://schemas.openxmlformats.org/drawingml/2006/diagram" xmlns:o="urn:schemas-microsoft-com:office:office" xmlns:v="urn:schemas-microsoft-com:vml" xmlns:pvml="urn:schemas-microsoft-com:office:powerpoint" xmlns:com="http://schemas.openxmlformats.org/drawingml/2006/compatibility" xmlns:p14="http://schemas.microsoft.com/office/powerpoint/2010/main" xmlns:p15="http://schemas.microsoft.com/office/powerpoint/2012/main" xmlns:go="http://customooxmlschemas.google.com/" r:id="rId19" roundtripDataSignature="AMtx7miMuSR0v2a9jNcHABEfpnEQZNx2MA=="/>
+      <go:slidesCustomData xmlns:go="http://customooxmlschemas.google.com/" xmlns:p15="http://schemas.microsoft.com/office/powerpoint/2012/main" xmlns:p14="http://schemas.microsoft.com/office/powerpoint/2010/main" xmlns:com="http://schemas.openxmlformats.org/drawingml/2006/compatibility" xmlns:pvml="urn:schemas-microsoft-com:office:powerpoint" xmlns:v="urn:schemas-microsoft-com:vml" xmlns:o="urn:schemas-microsoft-com:office:office" xmlns:dgm="http://schemas.openxmlformats.org/drawingml/2006/diagram" xmlns:c="http://schemas.openxmlformats.org/drawingml/2006/chart" xmlns:mv="urn:schemas-microsoft-com:mac:vml" xmlns:mc="http://schemas.openxmlformats.org/markup-compatibility/2006" xmlns="" r:id="rId19" roundtripDataSignature="AMtx7miMuSR0v2a9jNcHABEfpnEQZNx2MA=="/>
     </p:ext>
   </p:extLst>
 </p:presentation>
@@ -775,8 +775,8 @@
         </p:nvSpPr>
         <p:spPr>
           <a:xfrm>
-            <a:off x="1143225" y="685800"/>
-            <a:ext cx="4572225" cy="3429000"/>
+            <a:off x="381000" y="685800"/>
+            <a:ext cx="6096000" cy="3429000"/>
           </a:xfrm>
           <a:custGeom>
             <a:avLst/>
@@ -1607,8 +1607,8 @@
         </p:nvSpPr>
         <p:spPr>
           <a:xfrm>
-            <a:off x="1143225" y="685800"/>
-            <a:ext cx="4572225" cy="3429000"/>
+            <a:off x="381000" y="685800"/>
+            <a:ext cx="6096000" cy="3429000"/>
           </a:xfrm>
           <a:custGeom>
             <a:avLst/>
@@ -16589,23 +16589,7 @@
                 <a:ea typeface="Times New Roman" charset="0"/>
                 <a:cs typeface="Times New Roman" charset="0"/>
               </a:rPr>
-              <a:t>CC </a:t>
-            </a:r>
-            <a:r>
-              <a:rPr lang="en-US" sz="2800" dirty="0">
-                <a:latin typeface="Times New Roman" charset="0"/>
-                <a:ea typeface="Times New Roman" charset="0"/>
-                <a:cs typeface="Times New Roman" charset="0"/>
-              </a:rPr>
-              <a:t>BY-SA </a:t>
-            </a:r>
-            <a:r>
-              <a:rPr lang="en-US" sz="2800" dirty="0">
-                <a:latin typeface="Times New Roman" charset="0"/>
-                <a:ea typeface="Times New Roman" charset="0"/>
-                <a:cs typeface="Times New Roman" charset="0"/>
-              </a:rPr>
-              <a:t>4.0. To view a copy of this license, visit </a:t>
+              <a:t>CC BY-SA 4.0. To view a copy of this license, visit </a:t>
             </a:r>
             <a:r>
               <a:rPr lang="en-US" sz="2800" dirty="0">
@@ -16614,16 +16598,7 @@
                 <a:cs typeface="Times New Roman" charset="0"/>
                 <a:hlinkClick r:id="rId2"/>
               </a:rPr>
-              <a:t>https://</a:t>
-            </a:r>
-            <a:r>
-              <a:rPr lang="en-US" sz="2800" dirty="0">
-                <a:latin typeface="Times New Roman" charset="0"/>
-                <a:ea typeface="Times New Roman" charset="0"/>
-                <a:cs typeface="Times New Roman" charset="0"/>
-                <a:hlinkClick r:id="rId2"/>
-              </a:rPr>
-              <a:t>creativecommons.org/licenses/by-sa/4.0</a:t>
+              <a:t>https://creativecommons.org/licenses/by-sa/4.0</a:t>
             </a:r>
             <a:r>
               <a:rPr lang="en-US" sz="2800" dirty="0">
@@ -17179,55 +17154,6 @@
               <a:rPr lang="en-US"/>
               <a:t>Target Pragma</a:t>
             </a:r>
-            <a:endParaRPr/>
-          </a:p>
-        </p:txBody>
-      </p:sp>
-      <p:sp>
-        <p:nvSpPr>
-          <p:cNvPr id="90" name="Google Shape;90;p1"/>
-          <p:cNvSpPr txBox="1">
-            <a:spLocks noGrp="1"/>
-          </p:cNvSpPr>
-          <p:nvPr>
-            <p:ph type="subTitle" idx="1"/>
-          </p:nvPr>
-        </p:nvSpPr>
-        <p:spPr>
-          <a:xfrm>
-            <a:off x="4038600" y="4782320"/>
-            <a:ext cx="7644627" cy="1329443"/>
-          </a:xfrm>
-          <a:prstGeom prst="rect">
-            <a:avLst/>
-          </a:prstGeom>
-          <a:noFill/>
-          <a:ln>
-            <a:noFill/>
-          </a:ln>
-        </p:spPr>
-        <p:txBody>
-          <a:bodyPr spcFirstLastPara="1" wrap="square" lIns="91425" tIns="45700" rIns="91425" bIns="45700" anchor="t" anchorCtr="0">
-            <a:normAutofit/>
-          </a:bodyPr>
-          <a:lstStyle/>
-          <a:p>
-            <a:pPr marL="0" lvl="0" indent="0" algn="r" rtl="0">
-              <a:lnSpc>
-                <a:spcPct val="90000"/>
-              </a:lnSpc>
-              <a:spcBef>
-                <a:spcPts val="0"/>
-              </a:spcBef>
-              <a:spcAft>
-                <a:spcPts val="0"/>
-              </a:spcAft>
-              <a:buClr>
-                <a:schemeClr val="dk1"/>
-              </a:buClr>
-              <a:buSzPts val="2400"/>
-              <a:buNone/>
-            </a:pPr>
             <a:endParaRPr/>
           </a:p>
         </p:txBody>
@@ -18719,7 +18645,7 @@
         <p:spPr>
           <a:xfrm>
             <a:off x="1424904" y="2494450"/>
-            <a:ext cx="4053545" cy="3563159"/>
+            <a:ext cx="9928896" cy="3563159"/>
           </a:xfrm>
           <a:prstGeom prst="rect">
             <a:avLst/>
@@ -18752,10 +18678,18 @@
               <a:buChar char="•"/>
             </a:pPr>
             <a:r>
-              <a:rPr lang="en-US" sz="1300"/>
-              <a:t>Introduced in  OpenMP 4.5 Standard to Program Heterogeneous Systems</a:t>
+              <a:rPr lang="en-US" sz="2000" dirty="0"/>
+              <a:t>Introduced in  </a:t>
             </a:r>
-            <a:endParaRPr/>
+            <a:r>
+              <a:rPr lang="en-US" sz="2000" dirty="0" err="1"/>
+              <a:t>OpenMP</a:t>
+            </a:r>
+            <a:r>
+              <a:rPr lang="en-US" sz="2000" dirty="0"/>
+              <a:t> 4.5 Standard to Program Heterogeneous Systems</a:t>
+            </a:r>
+            <a:endParaRPr sz="2000" dirty="0"/>
           </a:p>
           <a:p>
             <a:pPr marL="228600" lvl="0" indent="-228600" algn="l" rtl="0">
@@ -18775,10 +18709,10 @@
               <a:buChar char="•"/>
             </a:pPr>
             <a:r>
-              <a:rPr lang="en-US" sz="1300"/>
+              <a:rPr lang="en-US" sz="2000" dirty="0"/>
               <a:t>Heterogeneous System: A general purpose CPU connected to an accelerator device </a:t>
             </a:r>
-            <a:endParaRPr/>
+            <a:endParaRPr sz="2000" dirty="0"/>
           </a:p>
           <a:p>
             <a:pPr marL="0" lvl="0" indent="0" algn="l" rtl="0">
@@ -18798,10 +18732,18 @@
               <a:buNone/>
             </a:pPr>
             <a:r>
-              <a:rPr lang="en-US" sz="1300"/>
-              <a:t>            Example: Intel CPU connected to a Nvidia GPU</a:t>
+              <a:rPr lang="en-US" sz="2000" dirty="0"/>
+              <a:t>            Example: Intel CPU connected to a </a:t>
             </a:r>
-            <a:endParaRPr/>
+            <a:r>
+              <a:rPr lang="en-US" sz="2000" dirty="0" err="1"/>
+              <a:t>Nvidia</a:t>
+            </a:r>
+            <a:r>
+              <a:rPr lang="en-US" sz="2000" dirty="0"/>
+              <a:t> GPU</a:t>
+            </a:r>
+            <a:endParaRPr sz="2000" dirty="0"/>
           </a:p>
           <a:p>
             <a:pPr marL="228600" lvl="0" indent="-228600" algn="l" rtl="0">
@@ -18821,10 +18763,10 @@
               <a:buChar char="•"/>
             </a:pPr>
             <a:r>
-              <a:rPr lang="en-US" sz="1300"/>
+              <a:rPr lang="en-US" sz="2000" dirty="0"/>
               <a:t>Programming Steps: </a:t>
             </a:r>
-            <a:endParaRPr/>
+            <a:endParaRPr sz="2000" dirty="0"/>
           </a:p>
           <a:p>
             <a:pPr marL="685800" lvl="1" indent="-228600" algn="l" rtl="0">
@@ -18844,10 +18786,10 @@
               <a:buChar char="•"/>
             </a:pPr>
             <a:r>
-              <a:rPr lang="en-US" sz="1300"/>
+              <a:rPr lang="en-US" sz="2000" dirty="0"/>
               <a:t>Identify the device to offload the computations to</a:t>
             </a:r>
-            <a:endParaRPr/>
+            <a:endParaRPr sz="2000" dirty="0"/>
           </a:p>
           <a:p>
             <a:pPr marL="685800" lvl="1" indent="-228600" algn="l" rtl="0">
@@ -18867,10 +18809,10 @@
               <a:buChar char="•"/>
             </a:pPr>
             <a:r>
-              <a:rPr lang="en-US" sz="1300"/>
+              <a:rPr lang="en-US" sz="2000" dirty="0"/>
               <a:t>Copy Data from Host CPU to Device Memory</a:t>
             </a:r>
-            <a:endParaRPr/>
+            <a:endParaRPr sz="2000" dirty="0"/>
           </a:p>
           <a:p>
             <a:pPr marL="685800" lvl="1" indent="-228600" algn="l" rtl="0">
@@ -18890,10 +18832,10 @@
               <a:buChar char="•"/>
             </a:pPr>
             <a:r>
-              <a:rPr lang="en-US" sz="1300"/>
+              <a:rPr lang="en-US" sz="2000" dirty="0"/>
               <a:t>CPU initializes execution of the code (loop or task function) on the device</a:t>
             </a:r>
-            <a:endParaRPr/>
+            <a:endParaRPr sz="2000" dirty="0"/>
           </a:p>
           <a:p>
             <a:pPr marL="685800" lvl="1" indent="-228600" algn="l" rtl="0">
@@ -18913,10 +18855,10 @@
               <a:buChar char="•"/>
             </a:pPr>
             <a:r>
-              <a:rPr lang="en-US" sz="1300"/>
+              <a:rPr lang="en-US" sz="2000" dirty="0"/>
               <a:t>Device executes the function</a:t>
             </a:r>
-            <a:endParaRPr/>
+            <a:endParaRPr sz="2000" dirty="0"/>
           </a:p>
           <a:p>
             <a:pPr marL="685800" lvl="1" indent="-228600" algn="l" rtl="0">
@@ -18936,10 +18878,10 @@
               <a:buChar char="•"/>
             </a:pPr>
             <a:r>
-              <a:rPr lang="en-US" sz="1300"/>
+              <a:rPr lang="en-US" sz="2000" dirty="0"/>
               <a:t>Data is copy back from the device to the host CPU</a:t>
             </a:r>
-            <a:endParaRPr/>
+            <a:endParaRPr sz="2000" dirty="0"/>
           </a:p>
           <a:p>
             <a:pPr marL="228600" lvl="0" indent="-146050" algn="l" rtl="0">
@@ -18958,7 +18900,7 @@
               <a:buSzPts val="1300"/>
               <a:buNone/>
             </a:pPr>
-            <a:endParaRPr sz="1300"/>
+            <a:endParaRPr sz="2000" dirty="0"/>
           </a:p>
           <a:p>
             <a:pPr marL="228600" lvl="0" indent="-146050" algn="l" rtl="0">
@@ -18977,37 +18919,10 @@
               <a:buSzPts val="1300"/>
               <a:buNone/>
             </a:pPr>
-            <a:endParaRPr sz="1300"/>
+            <a:endParaRPr sz="2000" dirty="0"/>
           </a:p>
         </p:txBody>
       </p:sp>
-      <p:pic>
-        <p:nvPicPr>
-          <p:cNvPr id="122" name="Google Shape;122;p4"/>
-          <p:cNvPicPr preferRelativeResize="0"/>
-          <p:nvPr/>
-        </p:nvPicPr>
-        <p:blipFill rotWithShape="1">
-          <a:blip r:embed="rId3">
-            <a:alphaModFix/>
-          </a:blip>
-          <a:srcRect b="736"/>
-          <a:stretch/>
-        </p:blipFill>
-        <p:spPr>
-          <a:xfrm>
-            <a:off x="6098892" y="2492376"/>
-            <a:ext cx="4802404" cy="3563372"/>
-          </a:xfrm>
-          <a:prstGeom prst="rect">
-            <a:avLst/>
-          </a:prstGeom>
-          <a:noFill/>
-          <a:ln>
-            <a:noFill/>
-          </a:ln>
-        </p:spPr>
-      </p:pic>
     </p:spTree>
   </p:cSld>
   <p:clrMapOvr>
